--- a/source/_posts/Git版本控制/rollback.pptx
+++ b/source/_posts/Git版本控制/rollback.pptx
@@ -106,6 +106,11 @@
       </a:defRPr>
     </a:lvl9pPr>
   </p:defaultTextStyle>
+  <p:extLst>
+    <p:ext uri="{EFAFB233-063F-42B5-8137-9DF3F51BA10A}">
+      <p15:sldGuideLst xmlns:p15="http://schemas.microsoft.com/office/powerpoint/2012/main"/>
+    </p:ext>
+  </p:extLst>
 </p:presentation>
 </file>
 
@@ -244,7 +249,7 @@
           <a:p>
             <a:fld id="{6DBAA34E-0B0E-46A3-80E7-C6C3DE2CF54A}" type="datetimeFigureOut">
               <a:rPr lang="en-US" smtClean="0"/>
-              <a:t>3/27/2017</a:t>
+              <a:t>3/29/2017</a:t>
             </a:fld>
             <a:endParaRPr lang="en-US"/>
           </a:p>
@@ -414,7 +419,7 @@
           <a:p>
             <a:fld id="{6DBAA34E-0B0E-46A3-80E7-C6C3DE2CF54A}" type="datetimeFigureOut">
               <a:rPr lang="en-US" smtClean="0"/>
-              <a:t>3/27/2017</a:t>
+              <a:t>3/29/2017</a:t>
             </a:fld>
             <a:endParaRPr lang="en-US"/>
           </a:p>
@@ -594,7 +599,7 @@
           <a:p>
             <a:fld id="{6DBAA34E-0B0E-46A3-80E7-C6C3DE2CF54A}" type="datetimeFigureOut">
               <a:rPr lang="en-US" smtClean="0"/>
-              <a:t>3/27/2017</a:t>
+              <a:t>3/29/2017</a:t>
             </a:fld>
             <a:endParaRPr lang="en-US"/>
           </a:p>
@@ -764,7 +769,7 @@
           <a:p>
             <a:fld id="{6DBAA34E-0B0E-46A3-80E7-C6C3DE2CF54A}" type="datetimeFigureOut">
               <a:rPr lang="en-US" smtClean="0"/>
-              <a:t>3/27/2017</a:t>
+              <a:t>3/29/2017</a:t>
             </a:fld>
             <a:endParaRPr lang="en-US"/>
           </a:p>
@@ -1008,7 +1013,7 @@
           <a:p>
             <a:fld id="{6DBAA34E-0B0E-46A3-80E7-C6C3DE2CF54A}" type="datetimeFigureOut">
               <a:rPr lang="en-US" smtClean="0"/>
-              <a:t>3/27/2017</a:t>
+              <a:t>3/29/2017</a:t>
             </a:fld>
             <a:endParaRPr lang="en-US"/>
           </a:p>
@@ -1240,7 +1245,7 @@
           <a:p>
             <a:fld id="{6DBAA34E-0B0E-46A3-80E7-C6C3DE2CF54A}" type="datetimeFigureOut">
               <a:rPr lang="en-US" smtClean="0"/>
-              <a:t>3/27/2017</a:t>
+              <a:t>3/29/2017</a:t>
             </a:fld>
             <a:endParaRPr lang="en-US"/>
           </a:p>
@@ -1607,7 +1612,7 @@
           <a:p>
             <a:fld id="{6DBAA34E-0B0E-46A3-80E7-C6C3DE2CF54A}" type="datetimeFigureOut">
               <a:rPr lang="en-US" smtClean="0"/>
-              <a:t>3/27/2017</a:t>
+              <a:t>3/29/2017</a:t>
             </a:fld>
             <a:endParaRPr lang="en-US"/>
           </a:p>
@@ -1725,7 +1730,7 @@
           <a:p>
             <a:fld id="{6DBAA34E-0B0E-46A3-80E7-C6C3DE2CF54A}" type="datetimeFigureOut">
               <a:rPr lang="en-US" smtClean="0"/>
-              <a:t>3/27/2017</a:t>
+              <a:t>3/29/2017</a:t>
             </a:fld>
             <a:endParaRPr lang="en-US"/>
           </a:p>
@@ -1820,7 +1825,7 @@
           <a:p>
             <a:fld id="{6DBAA34E-0B0E-46A3-80E7-C6C3DE2CF54A}" type="datetimeFigureOut">
               <a:rPr lang="en-US" smtClean="0"/>
-              <a:t>3/27/2017</a:t>
+              <a:t>3/29/2017</a:t>
             </a:fld>
             <a:endParaRPr lang="en-US"/>
           </a:p>
@@ -2097,7 +2102,7 @@
           <a:p>
             <a:fld id="{6DBAA34E-0B0E-46A3-80E7-C6C3DE2CF54A}" type="datetimeFigureOut">
               <a:rPr lang="en-US" smtClean="0"/>
-              <a:t>3/27/2017</a:t>
+              <a:t>3/29/2017</a:t>
             </a:fld>
             <a:endParaRPr lang="en-US"/>
           </a:p>
@@ -2354,7 +2359,7 @@
           <a:p>
             <a:fld id="{6DBAA34E-0B0E-46A3-80E7-C6C3DE2CF54A}" type="datetimeFigureOut">
               <a:rPr lang="en-US" smtClean="0"/>
-              <a:t>3/27/2017</a:t>
+              <a:t>3/29/2017</a:t>
             </a:fld>
             <a:endParaRPr lang="en-US"/>
           </a:p>
@@ -2567,7 +2572,7 @@
           <a:p>
             <a:fld id="{6DBAA34E-0B0E-46A3-80E7-C6C3DE2CF54A}" type="datetimeFigureOut">
               <a:rPr lang="en-US" smtClean="0"/>
-              <a:t>3/27/2017</a:t>
+              <a:t>3/29/2017</a:t>
             </a:fld>
             <a:endParaRPr lang="en-US"/>
           </a:p>
@@ -3486,13 +3491,19 @@
         </p:nvCxnSpPr>
         <p:spPr>
           <a:xfrm>
-            <a:off x="404037" y="1842912"/>
-            <a:ext cx="5501813" cy="0"/>
+            <a:off x="760114" y="1842912"/>
+            <a:ext cx="4658308" cy="0"/>
           </a:xfrm>
           <a:prstGeom prst="line">
             <a:avLst/>
           </a:prstGeom>
-          <a:ln w="28575"/>
+          <a:ln w="19050">
+            <a:solidFill>
+              <a:schemeClr val="bg1">
+                <a:lumMod val="85000"/>
+              </a:schemeClr>
+            </a:solidFill>
+          </a:ln>
         </p:spPr>
         <p:style>
           <a:lnRef idx="3">
@@ -3509,61 +3520,6 @@
           </a:fontRef>
         </p:style>
       </p:cxnSp>
-      <p:sp>
-        <p:nvSpPr>
-          <p:cNvPr id="7" name="TextBox 6">
-            <a:extLst>
-              <a:ext uri="{FF2B5EF4-FFF2-40B4-BE49-F238E27FC236}">
-                <a16:creationId xmlns:a16="http://schemas.microsoft.com/office/drawing/2014/main" id="{A781BFEB-C985-4EEB-AC35-69137FC6CACB}"/>
-              </a:ext>
-            </a:extLst>
-          </p:cNvPr>
-          <p:cNvSpPr txBox="1"/>
-          <p:nvPr/>
-        </p:nvSpPr>
-        <p:spPr>
-          <a:xfrm>
-            <a:off x="321964" y="2017732"/>
-            <a:ext cx="1021433" cy="261610"/>
-          </a:xfrm>
-          <a:prstGeom prst="rect">
-            <a:avLst/>
-          </a:prstGeom>
-          <a:noFill/>
-        </p:spPr>
-        <p:txBody>
-          <a:bodyPr wrap="none" rtlCol="0">
-            <a:spAutoFit/>
-          </a:bodyPr>
-          <a:lstStyle/>
-          <a:p>
-            <a:r>
-              <a:rPr lang="en-US" altLang="zh-CN" sz="1100" dirty="0">
-                <a:solidFill>
-                  <a:schemeClr val="accent2"/>
-                </a:solidFill>
-                <a:latin typeface="Arial" panose="020B0604020202020204" pitchFamily="34" charset="0"/>
-                <a:ea typeface="微软雅黑 Light" panose="020B0502040204020203" pitchFamily="34" charset="-122"/>
-                <a:cs typeface="Arial" panose="020B0604020202020204" pitchFamily="34" charset="0"/>
-              </a:rPr>
-              <a:t>$</a:t>
-            </a:r>
-            <a:r>
-              <a:rPr lang="en-US" altLang="zh-CN" sz="1100" dirty="0">
-                <a:latin typeface="Arial" panose="020B0604020202020204" pitchFamily="34" charset="0"/>
-                <a:ea typeface="微软雅黑 Light" panose="020B0502040204020203" pitchFamily="34" charset="-122"/>
-                <a:cs typeface="Arial" panose="020B0604020202020204" pitchFamily="34" charset="0"/>
-              </a:rPr>
-              <a:t> new 123.txt</a:t>
-            </a:r>
-            <a:endParaRPr lang="en-US" sz="1100" dirty="0">
-              <a:latin typeface="Arial" panose="020B0604020202020204" pitchFamily="34" charset="0"/>
-              <a:ea typeface="微软雅黑 Light" panose="020B0502040204020203" pitchFamily="34" charset="-122"/>
-              <a:cs typeface="Arial" panose="020B0604020202020204" pitchFamily="34" charset="0"/>
-            </a:endParaRPr>
-          </a:p>
-        </p:txBody>
-      </p:sp>
       <p:sp>
         <p:nvSpPr>
           <p:cNvPr id="8" name="Flowchart: Document 7">
@@ -3639,36 +3595,54 @@
         </p:nvSpPr>
         <p:spPr>
           <a:xfrm>
-            <a:off x="321964" y="2522818"/>
-            <a:ext cx="1447100" cy="261610"/>
+            <a:off x="669570" y="1839542"/>
+            <a:ext cx="1680268" cy="261610"/>
           </a:xfrm>
           <a:prstGeom prst="rect">
             <a:avLst/>
           </a:prstGeom>
           <a:noFill/>
+          <a:ln>
+            <a:noFill/>
+          </a:ln>
         </p:spPr>
         <p:txBody>
           <a:bodyPr wrap="square" rtlCol="0">
             <a:spAutoFit/>
           </a:bodyPr>
-          <a:lstStyle/>
-          <a:p>
-            <a:r>
-              <a:rPr lang="en-US" sz="1100" dirty="0">
+          <a:lstStyle>
+            <a:defPPr>
+              <a:defRPr lang="en-US"/>
+            </a:defPPr>
+            <a:lvl1pPr>
+              <a:defRPr sz="1100">
                 <a:solidFill>
                   <a:schemeClr val="accent2"/>
                 </a:solidFill>
                 <a:latin typeface="Arial" panose="020B0604020202020204" pitchFamily="34" charset="0"/>
                 <a:ea typeface="微软雅黑 Light" panose="020B0502040204020203" pitchFamily="34" charset="-122"/>
                 <a:cs typeface="Arial" panose="020B0604020202020204" pitchFamily="34" charset="0"/>
+              </a:defRPr>
+            </a:lvl1pPr>
+          </a:lstStyle>
+          <a:p>
+            <a:r>
+              <a:rPr lang="en-US" sz="1050" i="1" dirty="0">
+                <a:solidFill>
+                  <a:srgbClr val="FF0000"/>
+                </a:solidFill>
+                <a:ea typeface="Arial Unicode MS" panose="020B0604020202020204" pitchFamily="34" charset="-122"/>
               </a:rPr>
               <a:t>$</a:t>
             </a:r>
             <a:r>
-              <a:rPr lang="en-US" sz="1100" dirty="0">
-                <a:latin typeface="Arial" panose="020B0604020202020204" pitchFamily="34" charset="0"/>
-                <a:ea typeface="微软雅黑 Light" panose="020B0502040204020203" pitchFamily="34" charset="-122"/>
-                <a:cs typeface="Arial" panose="020B0604020202020204" pitchFamily="34" charset="0"/>
+              <a:rPr lang="en-US" sz="1050" i="1" dirty="0">
+                <a:solidFill>
+                  <a:schemeClr val="bg1">
+                    <a:lumMod val="50000"/>
+                  </a:schemeClr>
+                </a:solidFill>
+                <a:ea typeface="Arial Unicode MS" panose="020B0604020202020204" pitchFamily="34" charset="-122"/>
               </a:rPr>
               <a:t> git clean 123.txt</a:t>
             </a:r>
@@ -3824,82 +3798,6 @@
       </p:cxnSp>
       <p:sp>
         <p:nvSpPr>
-          <p:cNvPr id="25" name="TextBox 24">
-            <a:extLst>
-              <a:ext uri="{FF2B5EF4-FFF2-40B4-BE49-F238E27FC236}">
-                <a16:creationId xmlns:a16="http://schemas.microsoft.com/office/drawing/2014/main" id="{33AB580D-F82E-423A-8138-78063E1CD59F}"/>
-              </a:ext>
-            </a:extLst>
-          </p:cNvPr>
-          <p:cNvSpPr txBox="1"/>
-          <p:nvPr/>
-        </p:nvSpPr>
-        <p:spPr>
-          <a:xfrm>
-            <a:off x="322116" y="3191455"/>
-            <a:ext cx="1184940" cy="430887"/>
-          </a:xfrm>
-          <a:prstGeom prst="rect">
-            <a:avLst/>
-          </a:prstGeom>
-          <a:noFill/>
-        </p:spPr>
-        <p:txBody>
-          <a:bodyPr wrap="none" rtlCol="0">
-            <a:spAutoFit/>
-          </a:bodyPr>
-          <a:lstStyle/>
-          <a:p>
-            <a:r>
-              <a:rPr lang="en-US" altLang="zh-CN" sz="1100" dirty="0">
-                <a:solidFill>
-                  <a:schemeClr val="accent2"/>
-                </a:solidFill>
-                <a:latin typeface="Arial" panose="020B0604020202020204" pitchFamily="34" charset="0"/>
-                <a:ea typeface="微软雅黑 Light" panose="020B0502040204020203" pitchFamily="34" charset="-122"/>
-                <a:cs typeface="Arial" panose="020B0604020202020204" pitchFamily="34" charset="0"/>
-              </a:rPr>
-              <a:t>$</a:t>
-            </a:r>
-            <a:r>
-              <a:rPr lang="en-US" altLang="zh-CN" sz="1100" dirty="0">
-                <a:latin typeface="Arial" panose="020B0604020202020204" pitchFamily="34" charset="0"/>
-                <a:ea typeface="微软雅黑 Light" panose="020B0502040204020203" pitchFamily="34" charset="-122"/>
-                <a:cs typeface="Arial" panose="020B0604020202020204" pitchFamily="34" charset="0"/>
-              </a:rPr>
-              <a:t> new 123.txt</a:t>
-            </a:r>
-          </a:p>
-          <a:p>
-            <a:r>
-              <a:rPr lang="en-US" altLang="zh-CN" sz="1100" dirty="0">
-                <a:solidFill>
-                  <a:schemeClr val="accent2"/>
-                </a:solidFill>
-                <a:latin typeface="Arial" panose="020B0604020202020204" pitchFamily="34" charset="0"/>
-                <a:ea typeface="微软雅黑 Light" panose="020B0502040204020203" pitchFamily="34" charset="-122"/>
-                <a:cs typeface="Arial" panose="020B0604020202020204" pitchFamily="34" charset="0"/>
-              </a:rPr>
-              <a:t>$</a:t>
-            </a:r>
-            <a:r>
-              <a:rPr lang="en-US" altLang="zh-CN" sz="1100" dirty="0">
-                <a:latin typeface="Arial" panose="020B0604020202020204" pitchFamily="34" charset="0"/>
-                <a:ea typeface="微软雅黑 Light" panose="020B0502040204020203" pitchFamily="34" charset="-122"/>
-                <a:cs typeface="Arial" panose="020B0604020202020204" pitchFamily="34" charset="0"/>
-              </a:rPr>
-              <a:t> git add 123.txt</a:t>
-            </a:r>
-            <a:endParaRPr lang="en-US" sz="1100" dirty="0">
-              <a:latin typeface="Arial" panose="020B0604020202020204" pitchFamily="34" charset="0"/>
-              <a:ea typeface="微软雅黑 Light" panose="020B0502040204020203" pitchFamily="34" charset="-122"/>
-              <a:cs typeface="Arial" panose="020B0604020202020204" pitchFamily="34" charset="0"/>
-            </a:endParaRPr>
-          </a:p>
-        </p:txBody>
-      </p:sp>
-      <p:sp>
-        <p:nvSpPr>
           <p:cNvPr id="26" name="Flowchart: Document 25">
             <a:extLst>
               <a:ext uri="{FF2B5EF4-FFF2-40B4-BE49-F238E27FC236}">
@@ -3973,43 +3871,64 @@
         </p:nvSpPr>
         <p:spPr>
           <a:xfrm>
-            <a:off x="322116" y="3791529"/>
-            <a:ext cx="1261884" cy="261610"/>
+            <a:off x="697749" y="3031027"/>
+            <a:ext cx="1680116" cy="261610"/>
           </a:xfrm>
           <a:prstGeom prst="rect">
             <a:avLst/>
           </a:prstGeom>
           <a:noFill/>
-        </p:spPr>
-        <p:txBody>
-          <a:bodyPr wrap="none" rtlCol="0">
+          <a:ln>
+            <a:noFill/>
+          </a:ln>
+        </p:spPr>
+        <p:txBody>
+          <a:bodyPr wrap="square" rtlCol="0">
             <a:spAutoFit/>
           </a:bodyPr>
-          <a:lstStyle/>
-          <a:p>
-            <a:r>
-              <a:rPr lang="en-US" altLang="zh-CN" sz="1100" dirty="0">
+          <a:lstStyle>
+            <a:defPPr>
+              <a:defRPr lang="en-US"/>
+            </a:defPPr>
+            <a:lvl1pPr>
+              <a:defRPr sz="1100">
                 <a:solidFill>
                   <a:schemeClr val="accent2"/>
                 </a:solidFill>
                 <a:latin typeface="Arial" panose="020B0604020202020204" pitchFamily="34" charset="0"/>
                 <a:ea typeface="微软雅黑 Light" panose="020B0502040204020203" pitchFamily="34" charset="-122"/>
                 <a:cs typeface="Arial" panose="020B0604020202020204" pitchFamily="34" charset="0"/>
+              </a:defRPr>
+            </a:lvl1pPr>
+          </a:lstStyle>
+          <a:p>
+            <a:r>
+              <a:rPr lang="en-US" altLang="zh-CN" sz="1050" i="1" dirty="0">
+                <a:solidFill>
+                  <a:srgbClr val="FF0000"/>
+                </a:solidFill>
+                <a:ea typeface="Arial Unicode MS" panose="020B0604020202020204" pitchFamily="34" charset="-122"/>
               </a:rPr>
               <a:t>$</a:t>
             </a:r>
             <a:r>
-              <a:rPr lang="en-US" altLang="zh-CN" sz="1100" dirty="0">
-                <a:latin typeface="Arial" panose="020B0604020202020204" pitchFamily="34" charset="0"/>
-                <a:ea typeface="微软雅黑 Light" panose="020B0502040204020203" pitchFamily="34" charset="-122"/>
-                <a:cs typeface="Arial" panose="020B0604020202020204" pitchFamily="34" charset="0"/>
+              <a:rPr lang="en-US" altLang="zh-CN" sz="1050" i="1" dirty="0">
+                <a:solidFill>
+                  <a:schemeClr val="bg1">
+                    <a:lumMod val="50000"/>
+                  </a:schemeClr>
+                </a:solidFill>
+                <a:ea typeface="Arial Unicode MS" panose="020B0604020202020204" pitchFamily="34" charset="-122"/>
               </a:rPr>
               <a:t> git reset 123.txt</a:t>
             </a:r>
-            <a:endParaRPr lang="en-US" sz="1100" dirty="0">
-              <a:latin typeface="Arial" panose="020B0604020202020204" pitchFamily="34" charset="0"/>
-              <a:ea typeface="微软雅黑 Light" panose="020B0502040204020203" pitchFamily="34" charset="-122"/>
-              <a:cs typeface="Arial" panose="020B0604020202020204" pitchFamily="34" charset="0"/>
+            <a:endParaRPr lang="en-US" sz="1050" i="1" dirty="0">
+              <a:solidFill>
+                <a:schemeClr val="bg1">
+                  <a:lumMod val="50000"/>
+                </a:schemeClr>
+              </a:solidFill>
+              <a:ea typeface="Arial Unicode MS" panose="020B0604020202020204" pitchFamily="34" charset="-122"/>
             </a:endParaRPr>
           </a:p>
         </p:txBody>
@@ -4075,12 +3994,385 @@
           </a:p>
         </p:txBody>
       </p:sp>
+      <p:sp>
+        <p:nvSpPr>
+          <p:cNvPr id="34" name="Flowchart: Document 33">
+            <a:extLst>
+              <a:ext uri="{FF2B5EF4-FFF2-40B4-BE49-F238E27FC236}">
+                <a16:creationId xmlns:a16="http://schemas.microsoft.com/office/drawing/2014/main" id="{8B643C62-C9A7-4856-B342-67F74B83AC7E}"/>
+              </a:ext>
+            </a:extLst>
+          </p:cNvPr>
+          <p:cNvSpPr/>
+          <p:nvPr/>
+        </p:nvSpPr>
+        <p:spPr>
+          <a:xfrm>
+            <a:off x="4742417" y="4374464"/>
+            <a:ext cx="446714" cy="459486"/>
+          </a:xfrm>
+          <a:prstGeom prst="flowChartDocument">
+            <a:avLst/>
+          </a:prstGeom>
+          <a:solidFill>
+            <a:srgbClr val="00B050"/>
+          </a:solidFill>
+        </p:spPr>
+        <p:style>
+          <a:lnRef idx="2">
+            <a:schemeClr val="accent1">
+              <a:shade val="50000"/>
+            </a:schemeClr>
+          </a:lnRef>
+          <a:fillRef idx="1">
+            <a:schemeClr val="accent1"/>
+          </a:fillRef>
+          <a:effectRef idx="0">
+            <a:schemeClr val="accent1"/>
+          </a:effectRef>
+          <a:fontRef idx="minor">
+            <a:schemeClr val="lt1"/>
+          </a:fontRef>
+        </p:style>
+        <p:txBody>
+          <a:bodyPr rot="0" spcFirstLastPara="0" vertOverflow="overflow" horzOverflow="overflow" vert="horz" wrap="square" lIns="68580" tIns="34290" rIns="68580" bIns="34290" numCol="1" spcCol="0" rtlCol="0" fromWordArt="0" anchor="ctr" anchorCtr="0" forceAA="0" compatLnSpc="1">
+            <a:prstTxWarp prst="textNoShape">
+              <a:avLst/>
+            </a:prstTxWarp>
+            <a:noAutofit/>
+          </a:bodyPr>
+          <a:lstStyle/>
+          <a:p>
+            <a:pPr algn="ctr"/>
+            <a:r>
+              <a:rPr lang="en-US" sz="1100" dirty="0">
+                <a:latin typeface="Arial" panose="020B0604020202020204" pitchFamily="34" charset="0"/>
+                <a:ea typeface="微软雅黑 Light" panose="020B0502040204020203" pitchFamily="34" charset="-122"/>
+                <a:cs typeface="Arial" panose="020B0604020202020204" pitchFamily="34" charset="0"/>
+              </a:rPr>
+              <a:t>123.txt</a:t>
+            </a:r>
+          </a:p>
+        </p:txBody>
+      </p:sp>
+      <p:sp>
+        <p:nvSpPr>
+          <p:cNvPr id="38" name="TextBox 37">
+            <a:extLst>
+              <a:ext uri="{FF2B5EF4-FFF2-40B4-BE49-F238E27FC236}">
+                <a16:creationId xmlns:a16="http://schemas.microsoft.com/office/drawing/2014/main" id="{EEE861A5-7386-4612-9FD1-746F492E03F5}"/>
+              </a:ext>
+            </a:extLst>
+          </p:cNvPr>
+          <p:cNvSpPr txBox="1"/>
+          <p:nvPr/>
+        </p:nvSpPr>
+        <p:spPr>
+          <a:xfrm>
+            <a:off x="658723" y="4247506"/>
+            <a:ext cx="1617751" cy="253916"/>
+          </a:xfrm>
+          <a:prstGeom prst="rect">
+            <a:avLst/>
+          </a:prstGeom>
+          <a:noFill/>
+          <a:ln>
+            <a:noFill/>
+          </a:ln>
+        </p:spPr>
+        <p:txBody>
+          <a:bodyPr wrap="none" rtlCol="0">
+            <a:spAutoFit/>
+          </a:bodyPr>
+          <a:lstStyle/>
+          <a:p>
+            <a:r>
+              <a:rPr lang="en-US" altLang="zh-CN" sz="1050" i="1" dirty="0">
+                <a:solidFill>
+                  <a:srgbClr val="FF0000"/>
+                </a:solidFill>
+                <a:latin typeface="Arial" panose="020B0604020202020204" pitchFamily="34" charset="0"/>
+                <a:ea typeface="Arial Unicode MS" panose="020B0604020202020204" pitchFamily="34" charset="-122"/>
+                <a:cs typeface="Arial" panose="020B0604020202020204" pitchFamily="34" charset="0"/>
+              </a:rPr>
+              <a:t>$</a:t>
+            </a:r>
+            <a:r>
+              <a:rPr lang="en-US" altLang="zh-CN" sz="1050" i="1" dirty="0">
+                <a:solidFill>
+                  <a:schemeClr val="bg1">
+                    <a:lumMod val="50000"/>
+                  </a:schemeClr>
+                </a:solidFill>
+                <a:latin typeface="Arial" panose="020B0604020202020204" pitchFamily="34" charset="0"/>
+                <a:ea typeface="Arial Unicode MS" panose="020B0604020202020204" pitchFamily="34" charset="-122"/>
+                <a:cs typeface="Arial" panose="020B0604020202020204" pitchFamily="34" charset="0"/>
+              </a:rPr>
+              <a:t> git reset head^ 123.txt</a:t>
+            </a:r>
+            <a:endParaRPr lang="en-US" sz="1050" i="1" dirty="0">
+              <a:solidFill>
+                <a:schemeClr val="bg1">
+                  <a:lumMod val="50000"/>
+                </a:schemeClr>
+              </a:solidFill>
+              <a:latin typeface="Arial" panose="020B0604020202020204" pitchFamily="34" charset="0"/>
+              <a:ea typeface="Arial Unicode MS" panose="020B0604020202020204" pitchFamily="34" charset="-122"/>
+              <a:cs typeface="Arial" panose="020B0604020202020204" pitchFamily="34" charset="0"/>
+            </a:endParaRPr>
+          </a:p>
+        </p:txBody>
+      </p:sp>
+      <p:sp>
+        <p:nvSpPr>
+          <p:cNvPr id="45" name="Oval 44">
+            <a:extLst>
+              <a:ext uri="{FF2B5EF4-FFF2-40B4-BE49-F238E27FC236}">
+                <a16:creationId xmlns:a16="http://schemas.microsoft.com/office/drawing/2014/main" id="{EF813913-DE51-42D5-9340-AB0E54C43DAE}"/>
+              </a:ext>
+            </a:extLst>
+          </p:cNvPr>
+          <p:cNvSpPr/>
+          <p:nvPr/>
+        </p:nvSpPr>
+        <p:spPr>
+          <a:xfrm>
+            <a:off x="4972124" y="982124"/>
+            <a:ext cx="191386" cy="186417"/>
+          </a:xfrm>
+          <a:prstGeom prst="ellipse">
+            <a:avLst/>
+          </a:prstGeom>
+          <a:solidFill>
+            <a:srgbClr val="00B050"/>
+          </a:solidFill>
+          <a:ln>
+            <a:solidFill>
+              <a:srgbClr val="00B050"/>
+            </a:solidFill>
+          </a:ln>
+        </p:spPr>
+        <p:style>
+          <a:lnRef idx="2">
+            <a:schemeClr val="accent1">
+              <a:shade val="50000"/>
+            </a:schemeClr>
+          </a:lnRef>
+          <a:fillRef idx="1">
+            <a:schemeClr val="accent1"/>
+          </a:fillRef>
+          <a:effectRef idx="0">
+            <a:schemeClr val="accent1"/>
+          </a:effectRef>
+          <a:fontRef idx="minor">
+            <a:schemeClr val="lt1"/>
+          </a:fontRef>
+        </p:style>
+        <p:txBody>
+          <a:bodyPr rtlCol="0" anchor="ctr"/>
+          <a:lstStyle/>
+          <a:p>
+            <a:pPr algn="ctr"/>
+            <a:endParaRPr lang="en-US" sz="1600">
+              <a:solidFill>
+                <a:srgbClr val="00B050"/>
+              </a:solidFill>
+              <a:latin typeface="Arial" panose="020B0604020202020204" pitchFamily="34" charset="0"/>
+              <a:ea typeface="微软雅黑 Light" panose="020B0502040204020203" pitchFamily="34" charset="-122"/>
+              <a:cs typeface="Arial" panose="020B0604020202020204" pitchFamily="34" charset="0"/>
+            </a:endParaRPr>
+          </a:p>
+        </p:txBody>
+      </p:sp>
+      <p:sp>
+        <p:nvSpPr>
+          <p:cNvPr id="46" name="Oval 45">
+            <a:extLst>
+              <a:ext uri="{FF2B5EF4-FFF2-40B4-BE49-F238E27FC236}">
+                <a16:creationId xmlns:a16="http://schemas.microsoft.com/office/drawing/2014/main" id="{43CD0BDF-94A9-48EC-A9E6-4D7D301B3338}"/>
+              </a:ext>
+            </a:extLst>
+          </p:cNvPr>
+          <p:cNvSpPr/>
+          <p:nvPr/>
+        </p:nvSpPr>
+        <p:spPr>
+          <a:xfrm>
+            <a:off x="4965774" y="676939"/>
+            <a:ext cx="191386" cy="186417"/>
+          </a:xfrm>
+          <a:prstGeom prst="ellipse">
+            <a:avLst/>
+          </a:prstGeom>
+          <a:solidFill>
+            <a:srgbClr val="00B050"/>
+          </a:solidFill>
+          <a:ln>
+            <a:solidFill>
+              <a:srgbClr val="00B050"/>
+            </a:solidFill>
+          </a:ln>
+        </p:spPr>
+        <p:style>
+          <a:lnRef idx="2">
+            <a:schemeClr val="accent1">
+              <a:shade val="50000"/>
+            </a:schemeClr>
+          </a:lnRef>
+          <a:fillRef idx="1">
+            <a:schemeClr val="accent1"/>
+          </a:fillRef>
+          <a:effectRef idx="0">
+            <a:schemeClr val="accent1"/>
+          </a:effectRef>
+          <a:fontRef idx="minor">
+            <a:schemeClr val="lt1"/>
+          </a:fontRef>
+        </p:style>
+        <p:txBody>
+          <a:bodyPr rtlCol="0" anchor="ctr"/>
+          <a:lstStyle/>
+          <a:p>
+            <a:pPr algn="ctr"/>
+            <a:endParaRPr lang="en-US" sz="1600">
+              <a:solidFill>
+                <a:srgbClr val="00B050"/>
+              </a:solidFill>
+              <a:latin typeface="Arial" panose="020B0604020202020204" pitchFamily="34" charset="0"/>
+              <a:ea typeface="微软雅黑 Light" panose="020B0502040204020203" pitchFamily="34" charset="-122"/>
+              <a:cs typeface="Arial" panose="020B0604020202020204" pitchFamily="34" charset="0"/>
+            </a:endParaRPr>
+          </a:p>
+        </p:txBody>
+      </p:sp>
+      <p:sp>
+        <p:nvSpPr>
+          <p:cNvPr id="47" name="Oval 46">
+            <a:extLst>
+              <a:ext uri="{FF2B5EF4-FFF2-40B4-BE49-F238E27FC236}">
+                <a16:creationId xmlns:a16="http://schemas.microsoft.com/office/drawing/2014/main" id="{FC7C161F-5E5F-468C-B4BC-475B726388EF}"/>
+              </a:ext>
+            </a:extLst>
+          </p:cNvPr>
+          <p:cNvSpPr/>
+          <p:nvPr/>
+        </p:nvSpPr>
+        <p:spPr>
+          <a:xfrm>
+            <a:off x="4972641" y="378529"/>
+            <a:ext cx="191386" cy="186417"/>
+          </a:xfrm>
+          <a:prstGeom prst="ellipse">
+            <a:avLst/>
+          </a:prstGeom>
+          <a:solidFill>
+            <a:srgbClr val="00B050"/>
+          </a:solidFill>
+          <a:ln>
+            <a:solidFill>
+              <a:srgbClr val="00B050"/>
+            </a:solidFill>
+          </a:ln>
+        </p:spPr>
+        <p:style>
+          <a:lnRef idx="2">
+            <a:schemeClr val="accent1">
+              <a:shade val="50000"/>
+            </a:schemeClr>
+          </a:lnRef>
+          <a:fillRef idx="1">
+            <a:schemeClr val="accent1"/>
+          </a:fillRef>
+          <a:effectRef idx="0">
+            <a:schemeClr val="accent1"/>
+          </a:effectRef>
+          <a:fontRef idx="minor">
+            <a:schemeClr val="lt1"/>
+          </a:fontRef>
+        </p:style>
+        <p:txBody>
+          <a:bodyPr rtlCol="0" anchor="ctr"/>
+          <a:lstStyle/>
+          <a:p>
+            <a:pPr algn="ctr"/>
+            <a:endParaRPr lang="en-US" sz="1600">
+              <a:solidFill>
+                <a:srgbClr val="00B050"/>
+              </a:solidFill>
+              <a:latin typeface="Arial" panose="020B0604020202020204" pitchFamily="34" charset="0"/>
+              <a:ea typeface="微软雅黑 Light" panose="020B0502040204020203" pitchFamily="34" charset="-122"/>
+              <a:cs typeface="Arial" panose="020B0604020202020204" pitchFamily="34" charset="0"/>
+            </a:endParaRPr>
+          </a:p>
+        </p:txBody>
+      </p:sp>
+      <p:sp>
+        <p:nvSpPr>
+          <p:cNvPr id="58" name="Flowchart: Document 57">
+            <a:extLst>
+              <a:ext uri="{FF2B5EF4-FFF2-40B4-BE49-F238E27FC236}">
+                <a16:creationId xmlns:a16="http://schemas.microsoft.com/office/drawing/2014/main" id="{B6378249-FA60-4611-8E96-E74C6F435F5F}"/>
+              </a:ext>
+            </a:extLst>
+          </p:cNvPr>
+          <p:cNvSpPr/>
+          <p:nvPr/>
+        </p:nvSpPr>
+        <p:spPr>
+          <a:xfrm>
+            <a:off x="2742468" y="5126650"/>
+            <a:ext cx="446714" cy="453379"/>
+          </a:xfrm>
+          <a:prstGeom prst="flowChartDocument">
+            <a:avLst/>
+          </a:prstGeom>
+          <a:solidFill>
+            <a:srgbClr val="7030A0"/>
+          </a:solidFill>
+        </p:spPr>
+        <p:style>
+          <a:lnRef idx="2">
+            <a:schemeClr val="accent1">
+              <a:shade val="50000"/>
+            </a:schemeClr>
+          </a:lnRef>
+          <a:fillRef idx="1">
+            <a:schemeClr val="accent1"/>
+          </a:fillRef>
+          <a:effectRef idx="0">
+            <a:schemeClr val="accent1"/>
+          </a:effectRef>
+          <a:fontRef idx="minor">
+            <a:schemeClr val="lt1"/>
+          </a:fontRef>
+        </p:style>
+        <p:txBody>
+          <a:bodyPr rot="0" spcFirstLastPara="0" vertOverflow="overflow" horzOverflow="overflow" vert="horz" wrap="square" lIns="68580" tIns="34290" rIns="68580" bIns="34290" numCol="1" spcCol="0" rtlCol="0" fromWordArt="0" anchor="ctr" anchorCtr="0" forceAA="0" compatLnSpc="1">
+            <a:prstTxWarp prst="textNoShape">
+              <a:avLst/>
+            </a:prstTxWarp>
+            <a:noAutofit/>
+          </a:bodyPr>
+          <a:lstStyle/>
+          <a:p>
+            <a:pPr algn="ctr"/>
+            <a:r>
+              <a:rPr lang="en-US" sz="1100" dirty="0">
+                <a:latin typeface="Arial" panose="020B0604020202020204" pitchFamily="34" charset="0"/>
+                <a:ea typeface="微软雅黑 Light" panose="020B0502040204020203" pitchFamily="34" charset="-122"/>
+                <a:cs typeface="Arial" panose="020B0604020202020204" pitchFamily="34" charset="0"/>
+              </a:rPr>
+              <a:t>123.txt</a:t>
+            </a:r>
+          </a:p>
+        </p:txBody>
+      </p:sp>
       <p:cxnSp>
         <p:nvCxnSpPr>
-          <p:cNvPr id="31" name="Straight Connector 30">
+          <p:cNvPr id="24" name="Straight Connector 23">
             <a:extLst>
               <a:ext uri="{FF2B5EF4-FFF2-40B4-BE49-F238E27FC236}">
-                <a16:creationId xmlns:a16="http://schemas.microsoft.com/office/drawing/2014/main" id="{30182A21-1807-41B0-ADDF-E7B39150917D}"/>
+                <a16:creationId xmlns:a16="http://schemas.microsoft.com/office/drawing/2014/main" id="{71AE7C3F-DBEB-43B3-91BD-68DA20B47D2B}"/>
               </a:ext>
             </a:extLst>
           </p:cNvPr>
@@ -4091,13 +4383,19 @@
         </p:nvCxnSpPr>
         <p:spPr>
           <a:xfrm>
-            <a:off x="417645" y="3069889"/>
-            <a:ext cx="5488205" cy="0"/>
+            <a:off x="760114" y="3042013"/>
+            <a:ext cx="4658308" cy="0"/>
           </a:xfrm>
           <a:prstGeom prst="line">
             <a:avLst/>
           </a:prstGeom>
-          <a:ln w="28575"/>
+          <a:ln w="19050">
+            <a:solidFill>
+              <a:schemeClr val="bg1">
+                <a:lumMod val="85000"/>
+              </a:schemeClr>
+            </a:solidFill>
+          </a:ln>
         </p:spPr>
         <p:style>
           <a:lnRef idx="3">
@@ -4116,10 +4414,154 @@
       </p:cxnSp>
       <p:cxnSp>
         <p:nvCxnSpPr>
-          <p:cNvPr id="32" name="Straight Connector 31">
+          <p:cNvPr id="5" name="Connector: Curved 4">
             <a:extLst>
               <a:ext uri="{FF2B5EF4-FFF2-40B4-BE49-F238E27FC236}">
-                <a16:creationId xmlns:a16="http://schemas.microsoft.com/office/drawing/2014/main" id="{235E46DE-9786-499F-B884-7F292CD3BD88}"/>
+                <a16:creationId xmlns:a16="http://schemas.microsoft.com/office/drawing/2014/main" id="{300E9C34-4F52-4BCA-9A3A-7EA1AA5F7C6F}"/>
+              </a:ext>
+            </a:extLst>
+          </p:cNvPr>
+          <p:cNvCxnSpPr>
+            <a:stCxn id="8" idx="3"/>
+            <a:endCxn id="10" idx="3"/>
+          </p:cNvCxnSpPr>
+          <p:nvPr/>
+        </p:nvCxnSpPr>
+        <p:spPr>
+          <a:xfrm>
+            <a:off x="3183622" y="2146244"/>
+            <a:ext cx="12700" cy="599689"/>
+          </a:xfrm>
+          <a:prstGeom prst="curvedConnector3">
+            <a:avLst>
+              <a:gd name="adj1" fmla="val 1800000"/>
+            </a:avLst>
+          </a:prstGeom>
+          <a:ln>
+            <a:solidFill>
+              <a:schemeClr val="bg1">
+                <a:lumMod val="50000"/>
+              </a:schemeClr>
+            </a:solidFill>
+            <a:tailEnd type="triangle"/>
+          </a:ln>
+        </p:spPr>
+        <p:style>
+          <a:lnRef idx="1">
+            <a:schemeClr val="accent1"/>
+          </a:lnRef>
+          <a:fillRef idx="0">
+            <a:schemeClr val="accent1"/>
+          </a:fillRef>
+          <a:effectRef idx="0">
+            <a:schemeClr val="accent1"/>
+          </a:effectRef>
+          <a:fontRef idx="minor">
+            <a:schemeClr val="tx1"/>
+          </a:fontRef>
+        </p:style>
+      </p:cxnSp>
+      <p:cxnSp>
+        <p:nvCxnSpPr>
+          <p:cNvPr id="13" name="Connector: Curved 12">
+            <a:extLst>
+              <a:ext uri="{FF2B5EF4-FFF2-40B4-BE49-F238E27FC236}">
+                <a16:creationId xmlns:a16="http://schemas.microsoft.com/office/drawing/2014/main" id="{A101476A-CCF6-4A69-A615-E2E741C86CE4}"/>
+              </a:ext>
+            </a:extLst>
+          </p:cNvPr>
+          <p:cNvCxnSpPr>
+            <a:stCxn id="26" idx="2"/>
+            <a:endCxn id="30" idx="3"/>
+          </p:cNvCxnSpPr>
+          <p:nvPr/>
+        </p:nvCxnSpPr>
+        <p:spPr>
+          <a:xfrm rot="5400000">
+            <a:off x="3420402" y="3339269"/>
+            <a:ext cx="354132" cy="827388"/>
+          </a:xfrm>
+          <a:prstGeom prst="curvedConnector2">
+            <a:avLst/>
+          </a:prstGeom>
+          <a:ln>
+            <a:solidFill>
+              <a:schemeClr val="bg1">
+                <a:lumMod val="50000"/>
+              </a:schemeClr>
+            </a:solidFill>
+            <a:tailEnd type="triangle"/>
+          </a:ln>
+        </p:spPr>
+        <p:style>
+          <a:lnRef idx="1">
+            <a:schemeClr val="accent1"/>
+          </a:lnRef>
+          <a:fillRef idx="0">
+            <a:schemeClr val="accent1"/>
+          </a:fillRef>
+          <a:effectRef idx="0">
+            <a:schemeClr val="accent1"/>
+          </a:effectRef>
+          <a:fontRef idx="minor">
+            <a:schemeClr val="tx1"/>
+          </a:fontRef>
+        </p:style>
+      </p:cxnSp>
+      <p:cxnSp>
+        <p:nvCxnSpPr>
+          <p:cNvPr id="15" name="Connector: Curved 14">
+            <a:extLst>
+              <a:ext uri="{FF2B5EF4-FFF2-40B4-BE49-F238E27FC236}">
+                <a16:creationId xmlns:a16="http://schemas.microsoft.com/office/drawing/2014/main" id="{3D3CBEAF-6865-493E-8F43-1C527707410B}"/>
+              </a:ext>
+            </a:extLst>
+          </p:cNvPr>
+          <p:cNvCxnSpPr>
+            <a:cxnSpLocks/>
+            <a:stCxn id="34" idx="2"/>
+            <a:endCxn id="58" idx="3"/>
+          </p:cNvCxnSpPr>
+          <p:nvPr/>
+        </p:nvCxnSpPr>
+        <p:spPr>
+          <a:xfrm rot="5400000">
+            <a:off x="3802595" y="4190160"/>
+            <a:ext cx="549767" cy="1776592"/>
+          </a:xfrm>
+          <a:prstGeom prst="curvedConnector2">
+            <a:avLst/>
+          </a:prstGeom>
+          <a:ln>
+            <a:solidFill>
+              <a:schemeClr val="bg1">
+                <a:lumMod val="50000"/>
+              </a:schemeClr>
+            </a:solidFill>
+            <a:tailEnd type="triangle"/>
+          </a:ln>
+        </p:spPr>
+        <p:style>
+          <a:lnRef idx="1">
+            <a:schemeClr val="accent1"/>
+          </a:lnRef>
+          <a:fillRef idx="0">
+            <a:schemeClr val="accent1"/>
+          </a:fillRef>
+          <a:effectRef idx="0">
+            <a:schemeClr val="accent1"/>
+          </a:effectRef>
+          <a:fontRef idx="minor">
+            <a:schemeClr val="tx1"/>
+          </a:fontRef>
+        </p:style>
+      </p:cxnSp>
+      <p:cxnSp>
+        <p:nvCxnSpPr>
+          <p:cNvPr id="43" name="Straight Connector 42">
+            <a:extLst>
+              <a:ext uri="{FF2B5EF4-FFF2-40B4-BE49-F238E27FC236}">
+                <a16:creationId xmlns:a16="http://schemas.microsoft.com/office/drawing/2014/main" id="{D0832A0E-D224-4BB7-9F0D-FA8FEAD21508}"/>
               </a:ext>
             </a:extLst>
           </p:cNvPr>
@@ -4130,13 +4572,19 @@
         </p:nvCxnSpPr>
         <p:spPr>
           <a:xfrm>
-            <a:off x="404037" y="4293896"/>
-            <a:ext cx="5501813" cy="0"/>
+            <a:off x="798214" y="4237454"/>
+            <a:ext cx="4620208" cy="0"/>
           </a:xfrm>
           <a:prstGeom prst="line">
             <a:avLst/>
           </a:prstGeom>
-          <a:ln w="28575"/>
+          <a:ln w="19050">
+            <a:solidFill>
+              <a:schemeClr val="bg1">
+                <a:lumMod val="85000"/>
+              </a:schemeClr>
+            </a:solidFill>
+          </a:ln>
         </p:spPr>
         <p:style>
           <a:lnRef idx="3">
@@ -4153,458 +4601,6 @@
           </a:fontRef>
         </p:style>
       </p:cxnSp>
-      <p:sp>
-        <p:nvSpPr>
-          <p:cNvPr id="33" name="TextBox 32">
-            <a:extLst>
-              <a:ext uri="{FF2B5EF4-FFF2-40B4-BE49-F238E27FC236}">
-                <a16:creationId xmlns:a16="http://schemas.microsoft.com/office/drawing/2014/main" id="{45D1BC96-EF52-4766-9F9E-C339541B3863}"/>
-              </a:ext>
-            </a:extLst>
-          </p:cNvPr>
-          <p:cNvSpPr txBox="1"/>
-          <p:nvPr/>
-        </p:nvSpPr>
-        <p:spPr>
-          <a:xfrm>
-            <a:off x="321964" y="4384156"/>
-            <a:ext cx="1511952" cy="600164"/>
-          </a:xfrm>
-          <a:prstGeom prst="rect">
-            <a:avLst/>
-          </a:prstGeom>
-          <a:noFill/>
-        </p:spPr>
-        <p:txBody>
-          <a:bodyPr wrap="none" rtlCol="0">
-            <a:spAutoFit/>
-          </a:bodyPr>
-          <a:lstStyle/>
-          <a:p>
-            <a:r>
-              <a:rPr lang="en-US" altLang="zh-CN" sz="1100" dirty="0">
-                <a:solidFill>
-                  <a:schemeClr val="accent2"/>
-                </a:solidFill>
-                <a:latin typeface="Arial" panose="020B0604020202020204" pitchFamily="34" charset="0"/>
-                <a:ea typeface="微软雅黑 Light" panose="020B0502040204020203" pitchFamily="34" charset="-122"/>
-                <a:cs typeface="Arial" panose="020B0604020202020204" pitchFamily="34" charset="0"/>
-              </a:rPr>
-              <a:t>$</a:t>
-            </a:r>
-            <a:r>
-              <a:rPr lang="en-US" altLang="zh-CN" sz="1100" dirty="0">
-                <a:latin typeface="Arial" panose="020B0604020202020204" pitchFamily="34" charset="0"/>
-                <a:ea typeface="微软雅黑 Light" panose="020B0502040204020203" pitchFamily="34" charset="-122"/>
-                <a:cs typeface="Arial" panose="020B0604020202020204" pitchFamily="34" charset="0"/>
-              </a:rPr>
-              <a:t> new 123.txt</a:t>
-            </a:r>
-          </a:p>
-          <a:p>
-            <a:r>
-              <a:rPr lang="en-US" altLang="zh-CN" sz="1100" dirty="0">
-                <a:solidFill>
-                  <a:schemeClr val="accent2"/>
-                </a:solidFill>
-                <a:latin typeface="Arial" panose="020B0604020202020204" pitchFamily="34" charset="0"/>
-                <a:ea typeface="微软雅黑 Light" panose="020B0502040204020203" pitchFamily="34" charset="-122"/>
-                <a:cs typeface="Arial" panose="020B0604020202020204" pitchFamily="34" charset="0"/>
-              </a:rPr>
-              <a:t>$</a:t>
-            </a:r>
-            <a:r>
-              <a:rPr lang="en-US" altLang="zh-CN" sz="1100" dirty="0">
-                <a:latin typeface="Arial" panose="020B0604020202020204" pitchFamily="34" charset="0"/>
-                <a:ea typeface="微软雅黑 Light" panose="020B0502040204020203" pitchFamily="34" charset="-122"/>
-                <a:cs typeface="Arial" panose="020B0604020202020204" pitchFamily="34" charset="0"/>
-              </a:rPr>
-              <a:t> git add 123.txt</a:t>
-            </a:r>
-          </a:p>
-          <a:p>
-            <a:r>
-              <a:rPr lang="en-US" altLang="zh-CN" sz="1100" dirty="0">
-                <a:solidFill>
-                  <a:schemeClr val="accent2"/>
-                </a:solidFill>
-                <a:latin typeface="Arial" panose="020B0604020202020204" pitchFamily="34" charset="0"/>
-                <a:ea typeface="微软雅黑 Light" panose="020B0502040204020203" pitchFamily="34" charset="-122"/>
-                <a:cs typeface="Arial" panose="020B0604020202020204" pitchFamily="34" charset="0"/>
-              </a:rPr>
-              <a:t>$</a:t>
-            </a:r>
-            <a:r>
-              <a:rPr lang="en-US" altLang="zh-CN" sz="1100" dirty="0">
-                <a:latin typeface="Arial" panose="020B0604020202020204" pitchFamily="34" charset="0"/>
-                <a:ea typeface="微软雅黑 Light" panose="020B0502040204020203" pitchFamily="34" charset="-122"/>
-                <a:cs typeface="Arial" panose="020B0604020202020204" pitchFamily="34" charset="0"/>
-              </a:rPr>
-              <a:t> git commit -m “123”</a:t>
-            </a:r>
-          </a:p>
-        </p:txBody>
-      </p:sp>
-      <p:sp>
-        <p:nvSpPr>
-          <p:cNvPr id="34" name="Flowchart: Document 33">
-            <a:extLst>
-              <a:ext uri="{FF2B5EF4-FFF2-40B4-BE49-F238E27FC236}">
-                <a16:creationId xmlns:a16="http://schemas.microsoft.com/office/drawing/2014/main" id="{8B643C62-C9A7-4856-B342-67F74B83AC7E}"/>
-              </a:ext>
-            </a:extLst>
-          </p:cNvPr>
-          <p:cNvSpPr/>
-          <p:nvPr/>
-        </p:nvSpPr>
-        <p:spPr>
-          <a:xfrm>
-            <a:off x="4885983" y="4365505"/>
-            <a:ext cx="446714" cy="459486"/>
-          </a:xfrm>
-          <a:prstGeom prst="flowChartDocument">
-            <a:avLst/>
-          </a:prstGeom>
-          <a:solidFill>
-            <a:srgbClr val="00B050"/>
-          </a:solidFill>
-        </p:spPr>
-        <p:style>
-          <a:lnRef idx="2">
-            <a:schemeClr val="accent1">
-              <a:shade val="50000"/>
-            </a:schemeClr>
-          </a:lnRef>
-          <a:fillRef idx="1">
-            <a:schemeClr val="accent1"/>
-          </a:fillRef>
-          <a:effectRef idx="0">
-            <a:schemeClr val="accent1"/>
-          </a:effectRef>
-          <a:fontRef idx="minor">
-            <a:schemeClr val="lt1"/>
-          </a:fontRef>
-        </p:style>
-        <p:txBody>
-          <a:bodyPr rot="0" spcFirstLastPara="0" vertOverflow="overflow" horzOverflow="overflow" vert="horz" wrap="square" lIns="68580" tIns="34290" rIns="68580" bIns="34290" numCol="1" spcCol="0" rtlCol="0" fromWordArt="0" anchor="ctr" anchorCtr="0" forceAA="0" compatLnSpc="1">
-            <a:prstTxWarp prst="textNoShape">
-              <a:avLst/>
-            </a:prstTxWarp>
-            <a:noAutofit/>
-          </a:bodyPr>
-          <a:lstStyle/>
-          <a:p>
-            <a:pPr algn="ctr"/>
-            <a:r>
-              <a:rPr lang="en-US" sz="1100" dirty="0">
-                <a:latin typeface="Arial" panose="020B0604020202020204" pitchFamily="34" charset="0"/>
-                <a:ea typeface="微软雅黑 Light" panose="020B0502040204020203" pitchFamily="34" charset="-122"/>
-                <a:cs typeface="Arial" panose="020B0604020202020204" pitchFamily="34" charset="0"/>
-              </a:rPr>
-              <a:t>123.txt</a:t>
-            </a:r>
-          </a:p>
-        </p:txBody>
-      </p:sp>
-      <p:sp>
-        <p:nvSpPr>
-          <p:cNvPr id="38" name="TextBox 37">
-            <a:extLst>
-              <a:ext uri="{FF2B5EF4-FFF2-40B4-BE49-F238E27FC236}">
-                <a16:creationId xmlns:a16="http://schemas.microsoft.com/office/drawing/2014/main" id="{EEE861A5-7386-4612-9FD1-746F492E03F5}"/>
-              </a:ext>
-            </a:extLst>
-          </p:cNvPr>
-          <p:cNvSpPr txBox="1"/>
-          <p:nvPr/>
-        </p:nvSpPr>
-        <p:spPr>
-          <a:xfrm>
-            <a:off x="321964" y="5243043"/>
-            <a:ext cx="1680268" cy="261610"/>
-          </a:xfrm>
-          <a:prstGeom prst="rect">
-            <a:avLst/>
-          </a:prstGeom>
-          <a:noFill/>
-        </p:spPr>
-        <p:txBody>
-          <a:bodyPr wrap="none" rtlCol="0">
-            <a:spAutoFit/>
-          </a:bodyPr>
-          <a:lstStyle/>
-          <a:p>
-            <a:r>
-              <a:rPr lang="en-US" altLang="zh-CN" sz="1100" dirty="0">
-                <a:solidFill>
-                  <a:schemeClr val="accent2"/>
-                </a:solidFill>
-                <a:latin typeface="Arial" panose="020B0604020202020204" pitchFamily="34" charset="0"/>
-                <a:ea typeface="微软雅黑 Light" panose="020B0502040204020203" pitchFamily="34" charset="-122"/>
-                <a:cs typeface="Arial" panose="020B0604020202020204" pitchFamily="34" charset="0"/>
-              </a:rPr>
-              <a:t>$</a:t>
-            </a:r>
-            <a:r>
-              <a:rPr lang="en-US" altLang="zh-CN" sz="1100" dirty="0">
-                <a:latin typeface="Arial" panose="020B0604020202020204" pitchFamily="34" charset="0"/>
-                <a:ea typeface="微软雅黑 Light" panose="020B0502040204020203" pitchFamily="34" charset="-122"/>
-                <a:cs typeface="Arial" panose="020B0604020202020204" pitchFamily="34" charset="0"/>
-              </a:rPr>
-              <a:t> git reset head^ 123.txt</a:t>
-            </a:r>
-            <a:endParaRPr lang="en-US" sz="1100" dirty="0">
-              <a:latin typeface="Arial" panose="020B0604020202020204" pitchFamily="34" charset="0"/>
-              <a:ea typeface="微软雅黑 Light" panose="020B0502040204020203" pitchFamily="34" charset="-122"/>
-              <a:cs typeface="Arial" panose="020B0604020202020204" pitchFamily="34" charset="0"/>
-            </a:endParaRPr>
-          </a:p>
-        </p:txBody>
-      </p:sp>
-      <p:sp>
-        <p:nvSpPr>
-          <p:cNvPr id="45" name="Oval 44">
-            <a:extLst>
-              <a:ext uri="{FF2B5EF4-FFF2-40B4-BE49-F238E27FC236}">
-                <a16:creationId xmlns:a16="http://schemas.microsoft.com/office/drawing/2014/main" id="{EF813913-DE51-42D5-9340-AB0E54C43DAE}"/>
-              </a:ext>
-            </a:extLst>
-          </p:cNvPr>
-          <p:cNvSpPr/>
-          <p:nvPr/>
-        </p:nvSpPr>
-        <p:spPr>
-          <a:xfrm>
-            <a:off x="4972124" y="982124"/>
-            <a:ext cx="191386" cy="186417"/>
-          </a:xfrm>
-          <a:prstGeom prst="ellipse">
-            <a:avLst/>
-          </a:prstGeom>
-          <a:solidFill>
-            <a:srgbClr val="00B050"/>
-          </a:solidFill>
-          <a:ln>
-            <a:solidFill>
-              <a:srgbClr val="00B050"/>
-            </a:solidFill>
-          </a:ln>
-        </p:spPr>
-        <p:style>
-          <a:lnRef idx="2">
-            <a:schemeClr val="accent1">
-              <a:shade val="50000"/>
-            </a:schemeClr>
-          </a:lnRef>
-          <a:fillRef idx="1">
-            <a:schemeClr val="accent1"/>
-          </a:fillRef>
-          <a:effectRef idx="0">
-            <a:schemeClr val="accent1"/>
-          </a:effectRef>
-          <a:fontRef idx="minor">
-            <a:schemeClr val="lt1"/>
-          </a:fontRef>
-        </p:style>
-        <p:txBody>
-          <a:bodyPr rtlCol="0" anchor="ctr"/>
-          <a:lstStyle/>
-          <a:p>
-            <a:pPr algn="ctr"/>
-            <a:endParaRPr lang="en-US" sz="1600">
-              <a:solidFill>
-                <a:srgbClr val="00B050"/>
-              </a:solidFill>
-              <a:latin typeface="Arial" panose="020B0604020202020204" pitchFamily="34" charset="0"/>
-              <a:ea typeface="微软雅黑 Light" panose="020B0502040204020203" pitchFamily="34" charset="-122"/>
-              <a:cs typeface="Arial" panose="020B0604020202020204" pitchFamily="34" charset="0"/>
-            </a:endParaRPr>
-          </a:p>
-        </p:txBody>
-      </p:sp>
-      <p:sp>
-        <p:nvSpPr>
-          <p:cNvPr id="46" name="Oval 45">
-            <a:extLst>
-              <a:ext uri="{FF2B5EF4-FFF2-40B4-BE49-F238E27FC236}">
-                <a16:creationId xmlns:a16="http://schemas.microsoft.com/office/drawing/2014/main" id="{43CD0BDF-94A9-48EC-A9E6-4D7D301B3338}"/>
-              </a:ext>
-            </a:extLst>
-          </p:cNvPr>
-          <p:cNvSpPr/>
-          <p:nvPr/>
-        </p:nvSpPr>
-        <p:spPr>
-          <a:xfrm>
-            <a:off x="4965774" y="676939"/>
-            <a:ext cx="191386" cy="186417"/>
-          </a:xfrm>
-          <a:prstGeom prst="ellipse">
-            <a:avLst/>
-          </a:prstGeom>
-          <a:solidFill>
-            <a:srgbClr val="00B050"/>
-          </a:solidFill>
-          <a:ln>
-            <a:solidFill>
-              <a:srgbClr val="00B050"/>
-            </a:solidFill>
-          </a:ln>
-        </p:spPr>
-        <p:style>
-          <a:lnRef idx="2">
-            <a:schemeClr val="accent1">
-              <a:shade val="50000"/>
-            </a:schemeClr>
-          </a:lnRef>
-          <a:fillRef idx="1">
-            <a:schemeClr val="accent1"/>
-          </a:fillRef>
-          <a:effectRef idx="0">
-            <a:schemeClr val="accent1"/>
-          </a:effectRef>
-          <a:fontRef idx="minor">
-            <a:schemeClr val="lt1"/>
-          </a:fontRef>
-        </p:style>
-        <p:txBody>
-          <a:bodyPr rtlCol="0" anchor="ctr"/>
-          <a:lstStyle/>
-          <a:p>
-            <a:pPr algn="ctr"/>
-            <a:endParaRPr lang="en-US" sz="1600">
-              <a:solidFill>
-                <a:srgbClr val="00B050"/>
-              </a:solidFill>
-              <a:latin typeface="Arial" panose="020B0604020202020204" pitchFamily="34" charset="0"/>
-              <a:ea typeface="微软雅黑 Light" panose="020B0502040204020203" pitchFamily="34" charset="-122"/>
-              <a:cs typeface="Arial" panose="020B0604020202020204" pitchFamily="34" charset="0"/>
-            </a:endParaRPr>
-          </a:p>
-        </p:txBody>
-      </p:sp>
-      <p:sp>
-        <p:nvSpPr>
-          <p:cNvPr id="47" name="Oval 46">
-            <a:extLst>
-              <a:ext uri="{FF2B5EF4-FFF2-40B4-BE49-F238E27FC236}">
-                <a16:creationId xmlns:a16="http://schemas.microsoft.com/office/drawing/2014/main" id="{FC7C161F-5E5F-468C-B4BC-475B726388EF}"/>
-              </a:ext>
-            </a:extLst>
-          </p:cNvPr>
-          <p:cNvSpPr/>
-          <p:nvPr/>
-        </p:nvSpPr>
-        <p:spPr>
-          <a:xfrm>
-            <a:off x="4972641" y="378529"/>
-            <a:ext cx="191386" cy="186417"/>
-          </a:xfrm>
-          <a:prstGeom prst="ellipse">
-            <a:avLst/>
-          </a:prstGeom>
-          <a:solidFill>
-            <a:srgbClr val="00B050"/>
-          </a:solidFill>
-          <a:ln>
-            <a:solidFill>
-              <a:srgbClr val="00B050"/>
-            </a:solidFill>
-          </a:ln>
-        </p:spPr>
-        <p:style>
-          <a:lnRef idx="2">
-            <a:schemeClr val="accent1">
-              <a:shade val="50000"/>
-            </a:schemeClr>
-          </a:lnRef>
-          <a:fillRef idx="1">
-            <a:schemeClr val="accent1"/>
-          </a:fillRef>
-          <a:effectRef idx="0">
-            <a:schemeClr val="accent1"/>
-          </a:effectRef>
-          <a:fontRef idx="minor">
-            <a:schemeClr val="lt1"/>
-          </a:fontRef>
-        </p:style>
-        <p:txBody>
-          <a:bodyPr rtlCol="0" anchor="ctr"/>
-          <a:lstStyle/>
-          <a:p>
-            <a:pPr algn="ctr"/>
-            <a:endParaRPr lang="en-US" sz="1600">
-              <a:solidFill>
-                <a:srgbClr val="00B050"/>
-              </a:solidFill>
-              <a:latin typeface="Arial" panose="020B0604020202020204" pitchFamily="34" charset="0"/>
-              <a:ea typeface="微软雅黑 Light" panose="020B0502040204020203" pitchFamily="34" charset="-122"/>
-              <a:cs typeface="Arial" panose="020B0604020202020204" pitchFamily="34" charset="0"/>
-            </a:endParaRPr>
-          </a:p>
-        </p:txBody>
-      </p:sp>
-      <p:sp>
-        <p:nvSpPr>
-          <p:cNvPr id="58" name="Flowchart: Document 57">
-            <a:extLst>
-              <a:ext uri="{FF2B5EF4-FFF2-40B4-BE49-F238E27FC236}">
-                <a16:creationId xmlns:a16="http://schemas.microsoft.com/office/drawing/2014/main" id="{B6378249-FA60-4611-8E96-E74C6F435F5F}"/>
-              </a:ext>
-            </a:extLst>
-          </p:cNvPr>
-          <p:cNvSpPr/>
-          <p:nvPr/>
-        </p:nvSpPr>
-        <p:spPr>
-          <a:xfrm>
-            <a:off x="2742467" y="5223118"/>
-            <a:ext cx="446714" cy="459486"/>
-          </a:xfrm>
-          <a:prstGeom prst="flowChartDocument">
-            <a:avLst/>
-          </a:prstGeom>
-          <a:solidFill>
-            <a:srgbClr val="7030A0"/>
-          </a:solidFill>
-        </p:spPr>
-        <p:style>
-          <a:lnRef idx="2">
-            <a:schemeClr val="accent1">
-              <a:shade val="50000"/>
-            </a:schemeClr>
-          </a:lnRef>
-          <a:fillRef idx="1">
-            <a:schemeClr val="accent1"/>
-          </a:fillRef>
-          <a:effectRef idx="0">
-            <a:schemeClr val="accent1"/>
-          </a:effectRef>
-          <a:fontRef idx="minor">
-            <a:schemeClr val="lt1"/>
-          </a:fontRef>
-        </p:style>
-        <p:txBody>
-          <a:bodyPr rot="0" spcFirstLastPara="0" vertOverflow="overflow" horzOverflow="overflow" vert="horz" wrap="square" lIns="68580" tIns="34290" rIns="68580" bIns="34290" numCol="1" spcCol="0" rtlCol="0" fromWordArt="0" anchor="ctr" anchorCtr="0" forceAA="0" compatLnSpc="1">
-            <a:prstTxWarp prst="textNoShape">
-              <a:avLst/>
-            </a:prstTxWarp>
-            <a:noAutofit/>
-          </a:bodyPr>
-          <a:lstStyle/>
-          <a:p>
-            <a:pPr algn="ctr"/>
-            <a:r>
-              <a:rPr lang="en-US" sz="1100" dirty="0">
-                <a:latin typeface="Arial" panose="020B0604020202020204" pitchFamily="34" charset="0"/>
-                <a:ea typeface="微软雅黑 Light" panose="020B0502040204020203" pitchFamily="34" charset="-122"/>
-                <a:cs typeface="Arial" panose="020B0604020202020204" pitchFamily="34" charset="0"/>
-              </a:rPr>
-              <a:t>123.txt</a:t>
-            </a:r>
-          </a:p>
-        </p:txBody>
-      </p:sp>
     </p:spTree>
     <p:extLst>
       <p:ext uri="{BB962C8B-B14F-4D97-AF65-F5344CB8AC3E}">
@@ -4635,56 +4631,228 @@
           <a:chExt cx="0" cy="0"/>
         </a:xfrm>
       </p:grpSpPr>
-      <p:sp>
-        <p:nvSpPr>
-          <p:cNvPr id="2" name="Title 1">
+      <p:graphicFrame>
+        <p:nvGraphicFramePr>
+          <p:cNvPr id="5" name="Content Placeholder 4">
             <a:extLst>
               <a:ext uri="{FF2B5EF4-FFF2-40B4-BE49-F238E27FC236}">
-                <a16:creationId xmlns:a16="http://schemas.microsoft.com/office/drawing/2014/main" id="{78444E5C-13A2-44C9-8081-2DF32CB2C2CA}"/>
+                <a16:creationId xmlns:a16="http://schemas.microsoft.com/office/drawing/2014/main" id="{CAB07748-2B71-4219-A9A3-0B5633680CAA}"/>
               </a:ext>
             </a:extLst>
           </p:cNvPr>
-          <p:cNvSpPr>
-            <a:spLocks noGrp="1"/>
-          </p:cNvSpPr>
-          <p:nvPr>
-            <p:ph type="title"/>
-          </p:nvPr>
-        </p:nvSpPr>
-        <p:spPr/>
-        <p:txBody>
-          <a:bodyPr/>
-          <a:lstStyle/>
-          <a:p>
-            <a:endParaRPr lang="en-US"/>
-          </a:p>
-        </p:txBody>
-      </p:sp>
-      <p:sp>
-        <p:nvSpPr>
-          <p:cNvPr id="3" name="Content Placeholder 2">
+          <p:cNvGraphicFramePr>
+            <a:graphicFrameLocks noGrp="1"/>
+          </p:cNvGraphicFramePr>
+          <p:nvPr>
+            <p:ph idx="1"/>
+            <p:extLst>
+              <p:ext uri="{D42A27DB-BD31-4B8C-83A1-F6EECF244321}">
+                <p14:modId xmlns:p14="http://schemas.microsoft.com/office/powerpoint/2010/main" val="3031424426"/>
+              </p:ext>
+            </p:extLst>
+          </p:nvPr>
+        </p:nvGraphicFramePr>
+        <p:xfrm>
+          <a:off x="628650" y="1825625"/>
+          <a:ext cx="7886700" cy="741680"/>
+        </p:xfrm>
+        <a:graphic>
+          <a:graphicData uri="http://schemas.openxmlformats.org/drawingml/2006/table">
+            <a:tbl>
+              <a:tblPr firstRow="1" bandRow="1">
+                <a:tableStyleId>{2D5ABB26-0587-4C30-8999-92F81FD0307C}</a:tableStyleId>
+              </a:tblPr>
+              <a:tblGrid>
+                <a:gridCol w="1577340">
+                  <a:extLst>
+                    <a:ext uri="{9D8B030D-6E8A-4147-A177-3AD203B41FA5}">
+                      <a16:colId xmlns:a16="http://schemas.microsoft.com/office/drawing/2014/main" val="2328846761"/>
+                    </a:ext>
+                  </a:extLst>
+                </a:gridCol>
+                <a:gridCol w="1577340">
+                  <a:extLst>
+                    <a:ext uri="{9D8B030D-6E8A-4147-A177-3AD203B41FA5}">
+                      <a16:colId xmlns:a16="http://schemas.microsoft.com/office/drawing/2014/main" val="2520489133"/>
+                    </a:ext>
+                  </a:extLst>
+                </a:gridCol>
+                <a:gridCol w="1577340">
+                  <a:extLst>
+                    <a:ext uri="{9D8B030D-6E8A-4147-A177-3AD203B41FA5}">
+                      <a16:colId xmlns:a16="http://schemas.microsoft.com/office/drawing/2014/main" val="3939966030"/>
+                    </a:ext>
+                  </a:extLst>
+                </a:gridCol>
+                <a:gridCol w="1577340">
+                  <a:extLst>
+                    <a:ext uri="{9D8B030D-6E8A-4147-A177-3AD203B41FA5}">
+                      <a16:colId xmlns:a16="http://schemas.microsoft.com/office/drawing/2014/main" val="2793408967"/>
+                    </a:ext>
+                  </a:extLst>
+                </a:gridCol>
+                <a:gridCol w="1577340">
+                  <a:extLst>
+                    <a:ext uri="{9D8B030D-6E8A-4147-A177-3AD203B41FA5}">
+                      <a16:colId xmlns:a16="http://schemas.microsoft.com/office/drawing/2014/main" val="600551975"/>
+                    </a:ext>
+                  </a:extLst>
+                </a:gridCol>
+              </a:tblGrid>
+              <a:tr h="370840">
+                <a:tc>
+                  <a:txBody>
+                    <a:bodyPr/>
+                    <a:lstStyle/>
+                    <a:p>
+                      <a:endParaRPr lang="en-US" dirty="0"/>
+                    </a:p>
+                  </a:txBody>
+                  <a:tcPr/>
+                </a:tc>
+                <a:tc>
+                  <a:txBody>
+                    <a:bodyPr/>
+                    <a:lstStyle/>
+                    <a:p>
+                      <a:endParaRPr lang="en-US" dirty="0"/>
+                    </a:p>
+                  </a:txBody>
+                  <a:tcPr/>
+                </a:tc>
+                <a:tc>
+                  <a:txBody>
+                    <a:bodyPr/>
+                    <a:lstStyle/>
+                    <a:p>
+                      <a:endParaRPr lang="en-US"/>
+                    </a:p>
+                  </a:txBody>
+                  <a:tcPr/>
+                </a:tc>
+                <a:tc>
+                  <a:txBody>
+                    <a:bodyPr/>
+                    <a:lstStyle/>
+                    <a:p>
+                      <a:endParaRPr lang="en-US"/>
+                    </a:p>
+                  </a:txBody>
+                  <a:tcPr/>
+                </a:tc>
+                <a:tc>
+                  <a:txBody>
+                    <a:bodyPr/>
+                    <a:lstStyle/>
+                    <a:p>
+                      <a:endParaRPr lang="en-US"/>
+                    </a:p>
+                  </a:txBody>
+                  <a:tcPr/>
+                </a:tc>
+                <a:extLst>
+                  <a:ext uri="{0D108BD9-81ED-4DB2-BD59-A6C34878D82A}">
+                    <a16:rowId xmlns:a16="http://schemas.microsoft.com/office/drawing/2014/main" val="2714616345"/>
+                  </a:ext>
+                </a:extLst>
+              </a:tr>
+              <a:tr h="370840">
+                <a:tc>
+                  <a:txBody>
+                    <a:bodyPr/>
+                    <a:lstStyle/>
+                    <a:p>
+                      <a:endParaRPr lang="en-US" dirty="0"/>
+                    </a:p>
+                  </a:txBody>
+                  <a:tcPr/>
+                </a:tc>
+                <a:tc>
+                  <a:txBody>
+                    <a:bodyPr/>
+                    <a:lstStyle/>
+                    <a:p>
+                      <a:endParaRPr lang="en-US" dirty="0"/>
+                    </a:p>
+                  </a:txBody>
+                  <a:tcPr/>
+                </a:tc>
+                <a:tc>
+                  <a:txBody>
+                    <a:bodyPr/>
+                    <a:lstStyle/>
+                    <a:p>
+                      <a:endParaRPr lang="en-US"/>
+                    </a:p>
+                  </a:txBody>
+                  <a:tcPr/>
+                </a:tc>
+                <a:tc>
+                  <a:txBody>
+                    <a:bodyPr/>
+                    <a:lstStyle/>
+                    <a:p>
+                      <a:endParaRPr lang="en-US"/>
+                    </a:p>
+                  </a:txBody>
+                  <a:tcPr/>
+                </a:tc>
+                <a:tc>
+                  <a:txBody>
+                    <a:bodyPr/>
+                    <a:lstStyle/>
+                    <a:p>
+                      <a:endParaRPr lang="en-US" dirty="0"/>
+                    </a:p>
+                  </a:txBody>
+                  <a:tcPr/>
+                </a:tc>
+                <a:extLst>
+                  <a:ext uri="{0D108BD9-81ED-4DB2-BD59-A6C34878D82A}">
+                    <a16:rowId xmlns:a16="http://schemas.microsoft.com/office/drawing/2014/main" val="929121030"/>
+                  </a:ext>
+                </a:extLst>
+              </a:tr>
+            </a:tbl>
+          </a:graphicData>
+        </a:graphic>
+      </p:graphicFrame>
+      <p:pic>
+        <p:nvPicPr>
+          <p:cNvPr id="4" name="Graphic 3">
             <a:extLst>
               <a:ext uri="{FF2B5EF4-FFF2-40B4-BE49-F238E27FC236}">
-                <a16:creationId xmlns:a16="http://schemas.microsoft.com/office/drawing/2014/main" id="{01B6D3A5-FD8C-4B6F-8E77-2CAF4E8920B8}"/>
+                <a16:creationId xmlns:a16="http://schemas.microsoft.com/office/drawing/2014/main" id="{3DE2ED42-4697-40E6-99EB-7B7A0F0D5BD2}"/>
               </a:ext>
             </a:extLst>
           </p:cNvPr>
-          <p:cNvSpPr>
-            <a:spLocks noGrp="1"/>
-          </p:cNvSpPr>
-          <p:nvPr>
-            <p:ph idx="1"/>
-          </p:nvPr>
-        </p:nvSpPr>
-        <p:spPr/>
-        <p:txBody>
-          <a:bodyPr/>
-          <a:lstStyle/>
-          <a:p>
-            <a:endParaRPr lang="en-US" dirty="0"/>
-          </a:p>
-        </p:txBody>
-      </p:sp>
+          <p:cNvPicPr>
+            <a:picLocks noChangeAspect="1"/>
+          </p:cNvPicPr>
+          <p:nvPr/>
+        </p:nvPicPr>
+        <p:blipFill>
+          <a:blip r:embed="rId2">
+            <a:extLst>
+              <a:ext uri="{96DAC541-7B7A-43D3-8B79-37D633B846F1}">
+                <asvg:svgBlip xmlns:asvg="http://schemas.microsoft.com/office/drawing/2016/SVG/main" r:embed="rId3"/>
+              </a:ext>
+            </a:extLst>
+          </a:blip>
+          <a:stretch>
+            <a:fillRect/>
+          </a:stretch>
+        </p:blipFill>
+        <p:spPr>
+          <a:xfrm>
+            <a:off x="1467599" y="-346825"/>
+            <a:ext cx="4871741" cy="2107029"/>
+          </a:xfrm>
+          <a:prstGeom prst="rect">
+            <a:avLst/>
+          </a:prstGeom>
+        </p:spPr>
+      </p:pic>
     </p:spTree>
     <p:extLst>
       <p:ext uri="{BB962C8B-B14F-4D97-AF65-F5344CB8AC3E}">
